--- a/Matsievskaya_SG_presentation.pptx
+++ b/Matsievskaya_SG_presentation.pptx
@@ -4507,6 +4507,10 @@
           <a:bodyPr/>
           <a:lstStyle/>
           <a:p>
+            <a:r>
+              <a:rPr lang="en-US"/>
+              <a:t>https://github.com/SvetlanaMatsievskaya/Matsievskaya_SG_materials_for_VKR.git</a:t>
+            </a:r>
             <a:endParaRPr lang="en-US" dirty="0"/>
           </a:p>
         </p:txBody>

--- a/Matsievskaya_SG_presentation.pptx
+++ b/Matsievskaya_SG_presentation.pptx
@@ -4508,10 +4508,9 @@
           <a:lstStyle/>
           <a:p>
             <a:r>
-              <a:rPr lang="en-US"/>
+              <a:rPr lang="en-US" dirty="0"/>
               <a:t>https://github.com/SvetlanaMatsievskaya/Matsievskaya_SG_materials_for_VKR.git</a:t>
             </a:r>
-            <a:endParaRPr lang="en-US" dirty="0"/>
           </a:p>
         </p:txBody>
       </p:sp>

--- a/Matsievskaya_SG_presentation.pptx
+++ b/Matsievskaya_SG_presentation.pptx
@@ -5211,22 +5211,7 @@
                 <a:latin typeface="Times New Roman" panose="02020603050405020304" pitchFamily="18" charset="0"/>
                 <a:ea typeface="Times New Roman" panose="02020603050405020304" pitchFamily="18" charset="0"/>
               </a:rPr>
-              <a:t> </a:t>
-            </a:r>
-            <a:br>
-              <a:rPr lang="en-US" sz="1800" dirty="0">
-                <a:effectLst/>
-                <a:latin typeface="Arial" panose="020B0604020202020204" pitchFamily="34" charset="0"/>
-                <a:ea typeface="Arial" panose="020B0604020202020204" pitchFamily="34" charset="0"/>
-              </a:rPr>
-            </a:br>
-            <a:r>
-              <a:rPr lang="ru-RU" sz="1800" dirty="0">
-                <a:effectLst/>
-                <a:latin typeface="Times New Roman" panose="02020603050405020304" pitchFamily="18" charset="0"/>
-                <a:ea typeface="Times New Roman" panose="02020603050405020304" pitchFamily="18" charset="0"/>
-              </a:rPr>
-              <a:t>Визуализируем корреляционную матрицу с помощью тепловой карты</a:t>
+              <a:t> Визуализируем корреляционную матрицу с помощью тепловой карты</a:t>
             </a:r>
             <a:endParaRPr lang="en-US" dirty="0"/>
           </a:p>
@@ -5749,8 +5734,38 @@
         </p:blipFill>
         <p:spPr>
           <a:xfrm>
-            <a:off x="5206832" y="2040170"/>
-            <a:ext cx="5939790" cy="3486785"/>
+            <a:off x="5206832" y="1399592"/>
+            <a:ext cx="5939790" cy="4127363"/>
+          </a:xfrm>
+          <a:prstGeom prst="rect">
+            <a:avLst/>
+          </a:prstGeom>
+        </p:spPr>
+      </p:pic>
+      <p:pic>
+        <p:nvPicPr>
+          <p:cNvPr id="3" name="Picture 2">
+            <a:extLst>
+              <a:ext uri="{FF2B5EF4-FFF2-40B4-BE49-F238E27FC236}">
+                <a16:creationId xmlns:a16="http://schemas.microsoft.com/office/drawing/2014/main" id="{571AA0BA-C1D2-9660-DDF4-AE467A422759}"/>
+              </a:ext>
+            </a:extLst>
+          </p:cNvPr>
+          <p:cNvPicPr>
+            <a:picLocks noChangeAspect="1"/>
+          </p:cNvPicPr>
+          <p:nvPr/>
+        </p:nvPicPr>
+        <p:blipFill>
+          <a:blip r:embed="rId2"/>
+          <a:stretch>
+            <a:fillRect/>
+          </a:stretch>
+        </p:blipFill>
+        <p:spPr>
+          <a:xfrm>
+            <a:off x="5359232" y="1551992"/>
+            <a:ext cx="5939790" cy="4127363"/>
           </a:xfrm>
           <a:prstGeom prst="rect">
             <a:avLst/>
@@ -7637,12 +7652,12 @@
                         </a:lnSpc>
                       </a:pPr>
                       <a:r>
-                        <a:rPr lang="en-US" sz="1400">
+                        <a:rPr lang="en-US" sz="1400" dirty="0">
                           <a:effectLst/>
                         </a:rPr>
                         <a:t>Gradient Boosting Regressor</a:t>
                       </a:r>
-                      <a:endParaRPr lang="en-US" sz="1100">
+                      <a:endParaRPr lang="en-US" sz="1100" dirty="0">
                         <a:effectLst/>
                         <a:latin typeface="Arial" panose="020B0604020202020204" pitchFamily="34" charset="0"/>
                         <a:ea typeface="Arial" panose="020B0604020202020204" pitchFamily="34" charset="0"/>
